--- a/StoryBoardSOS.pptx
+++ b/StoryBoardSOS.pptx
@@ -245,7 +245,7 @@
           <a:p>
             <a:fld id="{0569BB32-7012-4EA3-AA84-C6537B52C3DA}" type="datetimeFigureOut">
               <a:rPr lang="en-US" smtClean="0"/>
-              <a:t>3/21/2016</a:t>
+              <a:t>3/28/2016</a:t>
             </a:fld>
             <a:endParaRPr lang="en-US"/>
           </a:p>
@@ -415,7 +415,7 @@
           <a:p>
             <a:fld id="{0569BB32-7012-4EA3-AA84-C6537B52C3DA}" type="datetimeFigureOut">
               <a:rPr lang="en-US" smtClean="0"/>
-              <a:t>3/21/2016</a:t>
+              <a:t>3/28/2016</a:t>
             </a:fld>
             <a:endParaRPr lang="en-US"/>
           </a:p>
@@ -595,7 +595,7 @@
           <a:p>
             <a:fld id="{0569BB32-7012-4EA3-AA84-C6537B52C3DA}" type="datetimeFigureOut">
               <a:rPr lang="en-US" smtClean="0"/>
-              <a:t>3/21/2016</a:t>
+              <a:t>3/28/2016</a:t>
             </a:fld>
             <a:endParaRPr lang="en-US"/>
           </a:p>
@@ -765,7 +765,7 @@
           <a:p>
             <a:fld id="{0569BB32-7012-4EA3-AA84-C6537B52C3DA}" type="datetimeFigureOut">
               <a:rPr lang="en-US" smtClean="0"/>
-              <a:t>3/21/2016</a:t>
+              <a:t>3/28/2016</a:t>
             </a:fld>
             <a:endParaRPr lang="en-US"/>
           </a:p>
@@ -1011,7 +1011,7 @@
           <a:p>
             <a:fld id="{0569BB32-7012-4EA3-AA84-C6537B52C3DA}" type="datetimeFigureOut">
               <a:rPr lang="en-US" smtClean="0"/>
-              <a:t>3/21/2016</a:t>
+              <a:t>3/28/2016</a:t>
             </a:fld>
             <a:endParaRPr lang="en-US"/>
           </a:p>
@@ -1243,7 +1243,7 @@
           <a:p>
             <a:fld id="{0569BB32-7012-4EA3-AA84-C6537B52C3DA}" type="datetimeFigureOut">
               <a:rPr lang="en-US" smtClean="0"/>
-              <a:t>3/21/2016</a:t>
+              <a:t>3/28/2016</a:t>
             </a:fld>
             <a:endParaRPr lang="en-US"/>
           </a:p>
@@ -1610,7 +1610,7 @@
           <a:p>
             <a:fld id="{0569BB32-7012-4EA3-AA84-C6537B52C3DA}" type="datetimeFigureOut">
               <a:rPr lang="en-US" smtClean="0"/>
-              <a:t>3/21/2016</a:t>
+              <a:t>3/28/2016</a:t>
             </a:fld>
             <a:endParaRPr lang="en-US"/>
           </a:p>
@@ -1728,7 +1728,7 @@
           <a:p>
             <a:fld id="{0569BB32-7012-4EA3-AA84-C6537B52C3DA}" type="datetimeFigureOut">
               <a:rPr lang="en-US" smtClean="0"/>
-              <a:t>3/21/2016</a:t>
+              <a:t>3/28/2016</a:t>
             </a:fld>
             <a:endParaRPr lang="en-US"/>
           </a:p>
@@ -1823,7 +1823,7 @@
           <a:p>
             <a:fld id="{0569BB32-7012-4EA3-AA84-C6537B52C3DA}" type="datetimeFigureOut">
               <a:rPr lang="en-US" smtClean="0"/>
-              <a:t>3/21/2016</a:t>
+              <a:t>3/28/2016</a:t>
             </a:fld>
             <a:endParaRPr lang="en-US"/>
           </a:p>
@@ -2100,7 +2100,7 @@
           <a:p>
             <a:fld id="{0569BB32-7012-4EA3-AA84-C6537B52C3DA}" type="datetimeFigureOut">
               <a:rPr lang="en-US" smtClean="0"/>
-              <a:t>3/21/2016</a:t>
+              <a:t>3/28/2016</a:t>
             </a:fld>
             <a:endParaRPr lang="en-US"/>
           </a:p>
@@ -2353,7 +2353,7 @@
           <a:p>
             <a:fld id="{0569BB32-7012-4EA3-AA84-C6537B52C3DA}" type="datetimeFigureOut">
               <a:rPr lang="en-US" smtClean="0"/>
-              <a:t>3/21/2016</a:t>
+              <a:t>3/28/2016</a:t>
             </a:fld>
             <a:endParaRPr lang="en-US"/>
           </a:p>
@@ -2566,7 +2566,7 @@
           <a:p>
             <a:fld id="{0569BB32-7012-4EA3-AA84-C6537B52C3DA}" type="datetimeFigureOut">
               <a:rPr lang="en-US" smtClean="0"/>
-              <a:t>3/21/2016</a:t>
+              <a:t>3/28/2016</a:t>
             </a:fld>
             <a:endParaRPr lang="en-US"/>
           </a:p>
@@ -3216,15 +3216,7 @@
                     <a:schemeClr val="tx1"/>
                   </a:solidFill>
                 </a:rPr>
-                <a:t>SOS</a:t>
-              </a:r>
-              <a:r>
-                <a:rPr lang="en-US" dirty="0" smtClean="0">
-                  <a:solidFill>
-                    <a:schemeClr val="tx1"/>
-                  </a:solidFill>
-                </a:rPr>
-                <a:t>! I need help!</a:t>
+                <a:t>SOS! I need help!</a:t>
               </a:r>
             </a:p>
             <a:p>
@@ -3898,11 +3890,11 @@
                 <a:avLst/>
               </a:prstGeom>
               <a:solidFill>
-                <a:srgbClr val="FF0000"/>
+                <a:schemeClr val="accent2"/>
               </a:solidFill>
               <a:ln w="38100">
                 <a:solidFill>
-                  <a:srgbClr val="FF0000"/>
+                  <a:schemeClr val="accent2"/>
                 </a:solidFill>
               </a:ln>
             </p:spPr>

--- a/StoryBoardSOS.pptx
+++ b/StoryBoardSOS.pptx
@@ -6,8 +6,11 @@
   </p:sldMasterIdLst>
   <p:sldIdLst>
     <p:sldId id="258" r:id="rId2"/>
-    <p:sldId id="256" r:id="rId3"/>
-    <p:sldId id="257" r:id="rId4"/>
+    <p:sldId id="259" r:id="rId3"/>
+    <p:sldId id="260" r:id="rId4"/>
+    <p:sldId id="261" r:id="rId5"/>
+    <p:sldId id="256" r:id="rId6"/>
+    <p:sldId id="257" r:id="rId7"/>
   </p:sldIdLst>
   <p:sldSz cx="12192000" cy="6858000"/>
   <p:notesSz cx="6858000" cy="9144000"/>
@@ -2973,48 +2976,156 @@
       </p:grpSpPr>
       <p:sp>
         <p:nvSpPr>
-          <p:cNvPr id="2" name="Title 1"/>
-          <p:cNvSpPr>
-            <a:spLocks noGrp="1"/>
-          </p:cNvSpPr>
-          <p:nvPr>
-            <p:ph type="ctrTitle"/>
+          <p:cNvPr id="3" name="Subtitle 2"/>
+          <p:cNvSpPr>
+            <a:spLocks noGrp="1"/>
+          </p:cNvSpPr>
+          <p:nvPr>
+            <p:ph type="subTitle" idx="1"/>
           </p:nvPr>
         </p:nvSpPr>
         <p:spPr>
           <a:xfrm>
-            <a:off x="1524000" y="1122363"/>
-            <a:ext cx="9144000" cy="1325562"/>
+            <a:off x="1524000" y="3585104"/>
+            <a:ext cx="9144000" cy="2375430"/>
           </a:xfrm>
         </p:spPr>
         <p:txBody>
-          <a:bodyPr/>
+          <a:bodyPr>
+            <a:normAutofit/>
+          </a:bodyPr>
           <a:lstStyle/>
           <a:p>
             <a:r>
-              <a:rPr lang="en-US" dirty="0" smtClean="0"/>
+              <a:rPr lang="en-US" b="1" dirty="0" err="1" smtClean="0"/>
+              <a:t>Xander</a:t>
+            </a:r>
+            <a:r>
+              <a:rPr lang="en-US" b="1" dirty="0" smtClean="0"/>
+              <a:t> </a:t>
+            </a:r>
+            <a:r>
+              <a:rPr lang="en-US" b="1" dirty="0" err="1" smtClean="0"/>
+              <a:t>Wunderlick</a:t>
+            </a:r>
+            <a:endParaRPr lang="en-US" b="1" dirty="0" smtClean="0"/>
+          </a:p>
+          <a:p>
+            <a:r>
+              <a:rPr lang="en-US" b="1" dirty="0" err="1" smtClean="0"/>
+              <a:t>Xiangyu</a:t>
+            </a:r>
+            <a:r>
+              <a:rPr lang="en-US" b="1" dirty="0" smtClean="0"/>
+              <a:t> Zhang</a:t>
+            </a:r>
+          </a:p>
+          <a:p>
+            <a:r>
+              <a:rPr lang="en-US" b="1" dirty="0" smtClean="0"/>
+              <a:t>Xu </a:t>
+            </a:r>
+            <a:r>
+              <a:rPr lang="en-US" b="1" dirty="0" err="1" smtClean="0"/>
+              <a:t>Weng</a:t>
+            </a:r>
+            <a:endParaRPr lang="en-US" b="1" dirty="0" smtClean="0"/>
+          </a:p>
+          <a:p>
+            <a:r>
+              <a:rPr lang="en-US" b="1" dirty="0" err="1" smtClean="0"/>
+              <a:t>Zhiyue</a:t>
+            </a:r>
+            <a:r>
+              <a:rPr lang="en-US" b="1" dirty="0" smtClean="0"/>
+              <a:t> Yang</a:t>
+            </a:r>
+          </a:p>
+          <a:p>
+            <a:r>
+              <a:rPr lang="en-US" b="1" dirty="0" smtClean="0"/>
+              <a:t>Dustin </a:t>
+            </a:r>
+            <a:r>
+              <a:rPr lang="en-US" b="1" dirty="0" err="1" smtClean="0"/>
+              <a:t>Dieker</a:t>
+            </a:r>
+            <a:endParaRPr lang="en-US" b="1" dirty="0"/>
+          </a:p>
+        </p:txBody>
+      </p:sp>
+      <p:sp>
+        <p:nvSpPr>
+          <p:cNvPr id="4" name="Rectangle 3"/>
+          <p:cNvSpPr/>
+          <p:nvPr/>
+        </p:nvSpPr>
+        <p:spPr>
+          <a:xfrm>
+            <a:off x="323106" y="1260390"/>
+            <a:ext cx="11545787" cy="1323439"/>
+          </a:xfrm>
+          <a:prstGeom prst="rect">
+            <a:avLst/>
+          </a:prstGeom>
+          <a:noFill/>
+        </p:spPr>
+        <p:txBody>
+          <a:bodyPr wrap="square" lIns="91440" tIns="45720" rIns="91440" bIns="45720">
+            <a:spAutoFit/>
+            <a:scene3d>
+              <a:camera prst="perspectiveRight">
+                <a:rot lat="0" lon="20699996" rev="0"/>
+              </a:camera>
+              <a:lightRig rig="threePt" dir="t"/>
+            </a:scene3d>
+            <a:sp3d extrusionH="57150">
+              <a:bevelT w="82550" h="38100" prst="coolSlant"/>
+              <a:bevelB w="38100" h="38100" prst="relaxedInset"/>
+            </a:sp3d>
+          </a:bodyPr>
+          <a:lstStyle/>
+          <a:p>
+            <a:pPr algn="ctr"/>
+            <a:r>
+              <a:rPr lang="en-US" sz="8000" b="1" cap="none" spc="0" dirty="0" smtClean="0">
+                <a:ln w="25400">
+                  <a:solidFill>
+                    <a:schemeClr val="tx1"/>
+                  </a:solidFill>
+                  <a:prstDash val="solid"/>
+                </a:ln>
+                <a:solidFill>
+                  <a:srgbClr val="FF0000"/>
+                </a:solidFill>
+                <a:effectLst>
+                  <a:outerShdw blurRad="60007" dist="310007" dir="7680000" sy="30000" kx="1300200" algn="ctr" rotWithShape="0">
+                    <a:prstClr val="black">
+                      <a:alpha val="32000"/>
+                    </a:prstClr>
+                  </a:outerShdw>
+                </a:effectLst>
+              </a:rPr>
               <a:t>SOS Android Mobile App</a:t>
             </a:r>
-            <a:endParaRPr lang="en-US" dirty="0"/>
-          </a:p>
-        </p:txBody>
-      </p:sp>
-      <p:sp>
-        <p:nvSpPr>
-          <p:cNvPr id="3" name="Subtitle 2"/>
-          <p:cNvSpPr>
-            <a:spLocks noGrp="1"/>
-          </p:cNvSpPr>
-          <p:nvPr>
-            <p:ph type="subTitle" idx="1"/>
-          </p:nvPr>
-        </p:nvSpPr>
-        <p:spPr/>
-        <p:txBody>
-          <a:bodyPr/>
-          <a:lstStyle/>
-          <a:p>
-            <a:endParaRPr lang="en-US" dirty="0"/>
+            <a:endParaRPr lang="en-US" sz="8000" b="1" cap="none" spc="0" dirty="0">
+              <a:ln w="25400">
+                <a:solidFill>
+                  <a:schemeClr val="tx1"/>
+                </a:solidFill>
+                <a:prstDash val="solid"/>
+              </a:ln>
+              <a:solidFill>
+                <a:srgbClr val="FF0000"/>
+              </a:solidFill>
+              <a:effectLst>
+                <a:outerShdw blurRad="60007" dist="310007" dir="7680000" sy="30000" kx="1300200" algn="ctr" rotWithShape="0">
+                  <a:prstClr val="black">
+                    <a:alpha val="32000"/>
+                  </a:prstClr>
+                </a:outerShdw>
+              </a:effectLst>
+            </a:endParaRPr>
           </a:p>
         </p:txBody>
       </p:sp>
@@ -3032,6 +3143,305 @@
 </file>
 
 <file path=ppt/slides/slide2.xml><?xml version="1.0" encoding="utf-8"?>
+<p:sld xmlns:a="http://schemas.openxmlformats.org/drawingml/2006/main" xmlns:r="http://schemas.openxmlformats.org/officeDocument/2006/relationships" xmlns:p="http://schemas.openxmlformats.org/presentationml/2006/main">
+  <p:cSld>
+    <p:spTree>
+      <p:nvGrpSpPr>
+        <p:cNvPr id="1" name=""/>
+        <p:cNvGrpSpPr/>
+        <p:nvPr/>
+      </p:nvGrpSpPr>
+      <p:grpSpPr>
+        <a:xfrm>
+          <a:off x="0" y="0"/>
+          <a:ext cx="0" cy="0"/>
+          <a:chOff x="0" y="0"/>
+          <a:chExt cx="0" cy="0"/>
+        </a:xfrm>
+      </p:grpSpPr>
+      <p:sp>
+        <p:nvSpPr>
+          <p:cNvPr id="2" name="Title 1"/>
+          <p:cNvSpPr>
+            <a:spLocks noGrp="1"/>
+          </p:cNvSpPr>
+          <p:nvPr>
+            <p:ph type="title"/>
+          </p:nvPr>
+        </p:nvSpPr>
+        <p:spPr/>
+        <p:txBody>
+          <a:bodyPr/>
+          <a:lstStyle/>
+          <a:p>
+            <a:r>
+              <a:rPr lang="en-US" dirty="0" smtClean="0"/>
+              <a:t>Implementation</a:t>
+            </a:r>
+            <a:endParaRPr lang="en-US" dirty="0"/>
+          </a:p>
+        </p:txBody>
+      </p:sp>
+      <p:sp>
+        <p:nvSpPr>
+          <p:cNvPr id="3" name="Content Placeholder 2"/>
+          <p:cNvSpPr>
+            <a:spLocks noGrp="1"/>
+          </p:cNvSpPr>
+          <p:nvPr>
+            <p:ph idx="1"/>
+          </p:nvPr>
+        </p:nvSpPr>
+        <p:spPr/>
+        <p:txBody>
+          <a:bodyPr/>
+          <a:lstStyle/>
+          <a:p>
+            <a:r>
+              <a:rPr lang="en-US" dirty="0" smtClean="0"/>
+              <a:t>Design process</a:t>
+            </a:r>
+          </a:p>
+          <a:p>
+            <a:r>
+              <a:rPr lang="en-US" dirty="0" smtClean="0"/>
+              <a:t>Software aspects (brief code overview)</a:t>
+            </a:r>
+          </a:p>
+          <a:p>
+            <a:r>
+              <a:rPr lang="en-US" dirty="0" smtClean="0"/>
+              <a:t>Database</a:t>
+            </a:r>
+          </a:p>
+          <a:p>
+            <a:r>
+              <a:rPr lang="en-US" dirty="0" smtClean="0"/>
+              <a:t>Challenges faced</a:t>
+            </a:r>
+          </a:p>
+          <a:p>
+            <a:pPr lvl="1"/>
+            <a:r>
+              <a:rPr lang="en-US" dirty="0" smtClean="0"/>
+              <a:t>No previous knowledge of Android programming</a:t>
+            </a:r>
+          </a:p>
+          <a:p>
+            <a:pPr lvl="1"/>
+            <a:r>
+              <a:rPr lang="en-US" dirty="0" smtClean="0"/>
+              <a:t>Implementing a database into the app.</a:t>
+            </a:r>
+          </a:p>
+          <a:p>
+            <a:pPr lvl="1"/>
+            <a:r>
+              <a:rPr lang="en-US" dirty="0" smtClean="0"/>
+              <a:t>Sending coordinates</a:t>
+            </a:r>
+          </a:p>
+        </p:txBody>
+      </p:sp>
+    </p:spTree>
+    <p:extLst>
+      <p:ext uri="{BB962C8B-B14F-4D97-AF65-F5344CB8AC3E}">
+        <p14:creationId xmlns:p14="http://schemas.microsoft.com/office/powerpoint/2010/main" val="3153884086"/>
+      </p:ext>
+    </p:extLst>
+  </p:cSld>
+  <p:clrMapOvr>
+    <a:masterClrMapping/>
+  </p:clrMapOvr>
+</p:sld>
+</file>
+
+<file path=ppt/slides/slide3.xml><?xml version="1.0" encoding="utf-8"?>
+<p:sld xmlns:a="http://schemas.openxmlformats.org/drawingml/2006/main" xmlns:r="http://schemas.openxmlformats.org/officeDocument/2006/relationships" xmlns:p="http://schemas.openxmlformats.org/presentationml/2006/main">
+  <p:cSld>
+    <p:spTree>
+      <p:nvGrpSpPr>
+        <p:cNvPr id="1" name=""/>
+        <p:cNvGrpSpPr/>
+        <p:nvPr/>
+      </p:nvGrpSpPr>
+      <p:grpSpPr>
+        <a:xfrm>
+          <a:off x="0" y="0"/>
+          <a:ext cx="0" cy="0"/>
+          <a:chOff x="0" y="0"/>
+          <a:chExt cx="0" cy="0"/>
+        </a:xfrm>
+      </p:grpSpPr>
+      <p:sp>
+        <p:nvSpPr>
+          <p:cNvPr id="2" name="Title 1"/>
+          <p:cNvSpPr>
+            <a:spLocks noGrp="1"/>
+          </p:cNvSpPr>
+          <p:nvPr>
+            <p:ph type="title"/>
+          </p:nvPr>
+        </p:nvSpPr>
+        <p:spPr/>
+        <p:txBody>
+          <a:bodyPr/>
+          <a:lstStyle/>
+          <a:p>
+            <a:r>
+              <a:rPr lang="en-US" dirty="0" smtClean="0"/>
+              <a:t>Examples and Uses</a:t>
+            </a:r>
+            <a:endParaRPr lang="en-US" dirty="0"/>
+          </a:p>
+        </p:txBody>
+      </p:sp>
+      <p:sp>
+        <p:nvSpPr>
+          <p:cNvPr id="3" name="Content Placeholder 2"/>
+          <p:cNvSpPr>
+            <a:spLocks noGrp="1"/>
+          </p:cNvSpPr>
+          <p:nvPr>
+            <p:ph idx="1"/>
+          </p:nvPr>
+        </p:nvSpPr>
+        <p:spPr/>
+        <p:txBody>
+          <a:bodyPr/>
+          <a:lstStyle/>
+          <a:p>
+            <a:r>
+              <a:rPr lang="en-US" dirty="0" smtClean="0"/>
+              <a:t>Easy to use emergency button</a:t>
+            </a:r>
+          </a:p>
+          <a:p>
+            <a:r>
+              <a:rPr lang="en-US" dirty="0" smtClean="0"/>
+              <a:t>Soundless incase you cannot call/talk</a:t>
+            </a:r>
+          </a:p>
+          <a:p>
+            <a:r>
+              <a:rPr lang="en-US" dirty="0" smtClean="0"/>
+              <a:t>Premade message if you don’t have time to type</a:t>
+            </a:r>
+          </a:p>
+          <a:p>
+            <a:r>
+              <a:rPr lang="en-US" dirty="0" smtClean="0"/>
+              <a:t>Includes location if lost or in unknown location</a:t>
+            </a:r>
+          </a:p>
+          <a:p>
+            <a:r>
+              <a:rPr lang="en-US" dirty="0" smtClean="0"/>
+              <a:t>Cancel within 5 seconds but only upon </a:t>
+            </a:r>
+            <a:r>
+              <a:rPr lang="en-US" dirty="0" err="1" smtClean="0"/>
+              <a:t>reclick</a:t>
+            </a:r>
+            <a:endParaRPr lang="en-US" dirty="0"/>
+          </a:p>
+        </p:txBody>
+      </p:sp>
+    </p:spTree>
+    <p:extLst>
+      <p:ext uri="{BB962C8B-B14F-4D97-AF65-F5344CB8AC3E}">
+        <p14:creationId xmlns:p14="http://schemas.microsoft.com/office/powerpoint/2010/main" val="2696072397"/>
+      </p:ext>
+    </p:extLst>
+  </p:cSld>
+  <p:clrMapOvr>
+    <a:masterClrMapping/>
+  </p:clrMapOvr>
+</p:sld>
+</file>
+
+<file path=ppt/slides/slide4.xml><?xml version="1.0" encoding="utf-8"?>
+<p:sld xmlns:a="http://schemas.openxmlformats.org/drawingml/2006/main" xmlns:r="http://schemas.openxmlformats.org/officeDocument/2006/relationships" xmlns:p="http://schemas.openxmlformats.org/presentationml/2006/main">
+  <p:cSld>
+    <p:spTree>
+      <p:nvGrpSpPr>
+        <p:cNvPr id="1" name=""/>
+        <p:cNvGrpSpPr/>
+        <p:nvPr/>
+      </p:nvGrpSpPr>
+      <p:grpSpPr>
+        <a:xfrm>
+          <a:off x="0" y="0"/>
+          <a:ext cx="0" cy="0"/>
+          <a:chOff x="0" y="0"/>
+          <a:chExt cx="0" cy="0"/>
+        </a:xfrm>
+      </p:grpSpPr>
+      <p:sp>
+        <p:nvSpPr>
+          <p:cNvPr id="2" name="Title 1"/>
+          <p:cNvSpPr>
+            <a:spLocks noGrp="1"/>
+          </p:cNvSpPr>
+          <p:nvPr>
+            <p:ph type="title"/>
+          </p:nvPr>
+        </p:nvSpPr>
+        <p:spPr/>
+        <p:txBody>
+          <a:bodyPr/>
+          <a:lstStyle/>
+          <a:p>
+            <a:r>
+              <a:rPr lang="en-US" dirty="0" smtClean="0"/>
+              <a:t>Storyboard</a:t>
+            </a:r>
+            <a:endParaRPr lang="en-US" dirty="0"/>
+          </a:p>
+        </p:txBody>
+      </p:sp>
+      <p:sp>
+        <p:nvSpPr>
+          <p:cNvPr id="3" name="Content Placeholder 2"/>
+          <p:cNvSpPr>
+            <a:spLocks noGrp="1"/>
+          </p:cNvSpPr>
+          <p:nvPr>
+            <p:ph idx="1"/>
+          </p:nvPr>
+        </p:nvSpPr>
+        <p:spPr/>
+        <p:txBody>
+          <a:bodyPr/>
+          <a:lstStyle/>
+          <a:p>
+            <a:r>
+              <a:rPr lang="en-US" dirty="0" smtClean="0"/>
+              <a:t>Simple and easy to follow layout</a:t>
+            </a:r>
+          </a:p>
+          <a:p>
+            <a:r>
+              <a:rPr lang="en-US" dirty="0" smtClean="0"/>
+              <a:t>Limited but impactful user options</a:t>
+            </a:r>
+          </a:p>
+        </p:txBody>
+      </p:sp>
+    </p:spTree>
+    <p:extLst>
+      <p:ext uri="{BB962C8B-B14F-4D97-AF65-F5344CB8AC3E}">
+        <p14:creationId xmlns:p14="http://schemas.microsoft.com/office/powerpoint/2010/main" val="2949158110"/>
+      </p:ext>
+    </p:extLst>
+  </p:cSld>
+  <p:clrMapOvr>
+    <a:masterClrMapping/>
+  </p:clrMapOvr>
+</p:sld>
+</file>
+
+<file path=ppt/slides/slide5.xml><?xml version="1.0" encoding="utf-8"?>
 <p:sld xmlns:a="http://schemas.openxmlformats.org/drawingml/2006/main" xmlns:r="http://schemas.openxmlformats.org/officeDocument/2006/relationships" xmlns:p="http://schemas.openxmlformats.org/presentationml/2006/main">
   <p:cSld>
     <p:spTree>
@@ -4193,7 +4603,7 @@
 </p:sld>
 </file>
 
-<file path=ppt/slides/slide3.xml><?xml version="1.0" encoding="utf-8"?>
+<file path=ppt/slides/slide6.xml><?xml version="1.0" encoding="utf-8"?>
 <p:sld xmlns:a="http://schemas.openxmlformats.org/drawingml/2006/main" xmlns:r="http://schemas.openxmlformats.org/officeDocument/2006/relationships" xmlns:p="http://schemas.openxmlformats.org/presentationml/2006/main">
   <p:cSld>
     <p:spTree>

--- a/StoryBoardSOS.pptx
+++ b/StoryBoardSOS.pptx
@@ -6,8 +6,11 @@
   </p:sldMasterIdLst>
   <p:sldIdLst>
     <p:sldId id="258" r:id="rId2"/>
-    <p:sldId id="256" r:id="rId3"/>
-    <p:sldId id="257" r:id="rId4"/>
+    <p:sldId id="259" r:id="rId3"/>
+    <p:sldId id="260" r:id="rId4"/>
+    <p:sldId id="261" r:id="rId5"/>
+    <p:sldId id="256" r:id="rId6"/>
+    <p:sldId id="257" r:id="rId7"/>
   </p:sldIdLst>
   <p:sldSz cx="12192000" cy="6858000"/>
   <p:notesSz cx="6858000" cy="9144000"/>
@@ -245,7 +248,7 @@
           <a:p>
             <a:fld id="{0569BB32-7012-4EA3-AA84-C6537B52C3DA}" type="datetimeFigureOut">
               <a:rPr lang="en-US" smtClean="0"/>
-              <a:t>3/21/2016</a:t>
+              <a:t>3/28/2016</a:t>
             </a:fld>
             <a:endParaRPr lang="en-US"/>
           </a:p>
@@ -415,7 +418,7 @@
           <a:p>
             <a:fld id="{0569BB32-7012-4EA3-AA84-C6537B52C3DA}" type="datetimeFigureOut">
               <a:rPr lang="en-US" smtClean="0"/>
-              <a:t>3/21/2016</a:t>
+              <a:t>3/28/2016</a:t>
             </a:fld>
             <a:endParaRPr lang="en-US"/>
           </a:p>
@@ -595,7 +598,7 @@
           <a:p>
             <a:fld id="{0569BB32-7012-4EA3-AA84-C6537B52C3DA}" type="datetimeFigureOut">
               <a:rPr lang="en-US" smtClean="0"/>
-              <a:t>3/21/2016</a:t>
+              <a:t>3/28/2016</a:t>
             </a:fld>
             <a:endParaRPr lang="en-US"/>
           </a:p>
@@ -765,7 +768,7 @@
           <a:p>
             <a:fld id="{0569BB32-7012-4EA3-AA84-C6537B52C3DA}" type="datetimeFigureOut">
               <a:rPr lang="en-US" smtClean="0"/>
-              <a:t>3/21/2016</a:t>
+              <a:t>3/28/2016</a:t>
             </a:fld>
             <a:endParaRPr lang="en-US"/>
           </a:p>
@@ -1011,7 +1014,7 @@
           <a:p>
             <a:fld id="{0569BB32-7012-4EA3-AA84-C6537B52C3DA}" type="datetimeFigureOut">
               <a:rPr lang="en-US" smtClean="0"/>
-              <a:t>3/21/2016</a:t>
+              <a:t>3/28/2016</a:t>
             </a:fld>
             <a:endParaRPr lang="en-US"/>
           </a:p>
@@ -1243,7 +1246,7 @@
           <a:p>
             <a:fld id="{0569BB32-7012-4EA3-AA84-C6537B52C3DA}" type="datetimeFigureOut">
               <a:rPr lang="en-US" smtClean="0"/>
-              <a:t>3/21/2016</a:t>
+              <a:t>3/28/2016</a:t>
             </a:fld>
             <a:endParaRPr lang="en-US"/>
           </a:p>
@@ -1610,7 +1613,7 @@
           <a:p>
             <a:fld id="{0569BB32-7012-4EA3-AA84-C6537B52C3DA}" type="datetimeFigureOut">
               <a:rPr lang="en-US" smtClean="0"/>
-              <a:t>3/21/2016</a:t>
+              <a:t>3/28/2016</a:t>
             </a:fld>
             <a:endParaRPr lang="en-US"/>
           </a:p>
@@ -1728,7 +1731,7 @@
           <a:p>
             <a:fld id="{0569BB32-7012-4EA3-AA84-C6537B52C3DA}" type="datetimeFigureOut">
               <a:rPr lang="en-US" smtClean="0"/>
-              <a:t>3/21/2016</a:t>
+              <a:t>3/28/2016</a:t>
             </a:fld>
             <a:endParaRPr lang="en-US"/>
           </a:p>
@@ -1823,7 +1826,7 @@
           <a:p>
             <a:fld id="{0569BB32-7012-4EA3-AA84-C6537B52C3DA}" type="datetimeFigureOut">
               <a:rPr lang="en-US" smtClean="0"/>
-              <a:t>3/21/2016</a:t>
+              <a:t>3/28/2016</a:t>
             </a:fld>
             <a:endParaRPr lang="en-US"/>
           </a:p>
@@ -2100,7 +2103,7 @@
           <a:p>
             <a:fld id="{0569BB32-7012-4EA3-AA84-C6537B52C3DA}" type="datetimeFigureOut">
               <a:rPr lang="en-US" smtClean="0"/>
-              <a:t>3/21/2016</a:t>
+              <a:t>3/28/2016</a:t>
             </a:fld>
             <a:endParaRPr lang="en-US"/>
           </a:p>
@@ -2353,7 +2356,7 @@
           <a:p>
             <a:fld id="{0569BB32-7012-4EA3-AA84-C6537B52C3DA}" type="datetimeFigureOut">
               <a:rPr lang="en-US" smtClean="0"/>
-              <a:t>3/21/2016</a:t>
+              <a:t>3/28/2016</a:t>
             </a:fld>
             <a:endParaRPr lang="en-US"/>
           </a:p>
@@ -2566,7 +2569,7 @@
           <a:p>
             <a:fld id="{0569BB32-7012-4EA3-AA84-C6537B52C3DA}" type="datetimeFigureOut">
               <a:rPr lang="en-US" smtClean="0"/>
-              <a:t>3/21/2016</a:t>
+              <a:t>3/28/2016</a:t>
             </a:fld>
             <a:endParaRPr lang="en-US"/>
           </a:p>
@@ -2973,48 +2976,156 @@
       </p:grpSpPr>
       <p:sp>
         <p:nvSpPr>
-          <p:cNvPr id="2" name="Title 1"/>
-          <p:cNvSpPr>
-            <a:spLocks noGrp="1"/>
-          </p:cNvSpPr>
-          <p:nvPr>
-            <p:ph type="ctrTitle"/>
+          <p:cNvPr id="3" name="Subtitle 2"/>
+          <p:cNvSpPr>
+            <a:spLocks noGrp="1"/>
+          </p:cNvSpPr>
+          <p:nvPr>
+            <p:ph type="subTitle" idx="1"/>
           </p:nvPr>
         </p:nvSpPr>
         <p:spPr>
           <a:xfrm>
-            <a:off x="1524000" y="1122363"/>
-            <a:ext cx="9144000" cy="1325562"/>
+            <a:off x="1524000" y="3585104"/>
+            <a:ext cx="9144000" cy="2375430"/>
           </a:xfrm>
         </p:spPr>
         <p:txBody>
-          <a:bodyPr/>
+          <a:bodyPr>
+            <a:normAutofit/>
+          </a:bodyPr>
           <a:lstStyle/>
           <a:p>
             <a:r>
-              <a:rPr lang="en-US" dirty="0" smtClean="0"/>
+              <a:rPr lang="en-US" b="1" dirty="0" err="1" smtClean="0"/>
+              <a:t>Xander</a:t>
+            </a:r>
+            <a:r>
+              <a:rPr lang="en-US" b="1" dirty="0" smtClean="0"/>
+              <a:t> </a:t>
+            </a:r>
+            <a:r>
+              <a:rPr lang="en-US" b="1" dirty="0" err="1" smtClean="0"/>
+              <a:t>Wunderlick</a:t>
+            </a:r>
+            <a:endParaRPr lang="en-US" b="1" dirty="0" smtClean="0"/>
+          </a:p>
+          <a:p>
+            <a:r>
+              <a:rPr lang="en-US" b="1" dirty="0" err="1" smtClean="0"/>
+              <a:t>Xiangyu</a:t>
+            </a:r>
+            <a:r>
+              <a:rPr lang="en-US" b="1" dirty="0" smtClean="0"/>
+              <a:t> Zhang</a:t>
+            </a:r>
+          </a:p>
+          <a:p>
+            <a:r>
+              <a:rPr lang="en-US" b="1" dirty="0" smtClean="0"/>
+              <a:t>Xu </a:t>
+            </a:r>
+            <a:r>
+              <a:rPr lang="en-US" b="1" dirty="0" err="1" smtClean="0"/>
+              <a:t>Weng</a:t>
+            </a:r>
+            <a:endParaRPr lang="en-US" b="1" dirty="0" smtClean="0"/>
+          </a:p>
+          <a:p>
+            <a:r>
+              <a:rPr lang="en-US" b="1" dirty="0" err="1" smtClean="0"/>
+              <a:t>Zhiyue</a:t>
+            </a:r>
+            <a:r>
+              <a:rPr lang="en-US" b="1" dirty="0" smtClean="0"/>
+              <a:t> Yang</a:t>
+            </a:r>
+          </a:p>
+          <a:p>
+            <a:r>
+              <a:rPr lang="en-US" b="1" dirty="0" smtClean="0"/>
+              <a:t>Dustin </a:t>
+            </a:r>
+            <a:r>
+              <a:rPr lang="en-US" b="1" dirty="0" err="1" smtClean="0"/>
+              <a:t>Dieker</a:t>
+            </a:r>
+            <a:endParaRPr lang="en-US" b="1" dirty="0"/>
+          </a:p>
+        </p:txBody>
+      </p:sp>
+      <p:sp>
+        <p:nvSpPr>
+          <p:cNvPr id="4" name="Rectangle 3"/>
+          <p:cNvSpPr/>
+          <p:nvPr/>
+        </p:nvSpPr>
+        <p:spPr>
+          <a:xfrm>
+            <a:off x="323106" y="1260390"/>
+            <a:ext cx="11545787" cy="1323439"/>
+          </a:xfrm>
+          <a:prstGeom prst="rect">
+            <a:avLst/>
+          </a:prstGeom>
+          <a:noFill/>
+        </p:spPr>
+        <p:txBody>
+          <a:bodyPr wrap="square" lIns="91440" tIns="45720" rIns="91440" bIns="45720">
+            <a:spAutoFit/>
+            <a:scene3d>
+              <a:camera prst="perspectiveRight">
+                <a:rot lat="0" lon="20699996" rev="0"/>
+              </a:camera>
+              <a:lightRig rig="threePt" dir="t"/>
+            </a:scene3d>
+            <a:sp3d extrusionH="57150">
+              <a:bevelT w="82550" h="38100" prst="coolSlant"/>
+              <a:bevelB w="38100" h="38100" prst="relaxedInset"/>
+            </a:sp3d>
+          </a:bodyPr>
+          <a:lstStyle/>
+          <a:p>
+            <a:pPr algn="ctr"/>
+            <a:r>
+              <a:rPr lang="en-US" sz="8000" b="1" cap="none" spc="0" dirty="0" smtClean="0">
+                <a:ln w="25400">
+                  <a:solidFill>
+                    <a:schemeClr val="tx1"/>
+                  </a:solidFill>
+                  <a:prstDash val="solid"/>
+                </a:ln>
+                <a:solidFill>
+                  <a:srgbClr val="FF0000"/>
+                </a:solidFill>
+                <a:effectLst>
+                  <a:outerShdw blurRad="60007" dist="310007" dir="7680000" sy="30000" kx="1300200" algn="ctr" rotWithShape="0">
+                    <a:prstClr val="black">
+                      <a:alpha val="32000"/>
+                    </a:prstClr>
+                  </a:outerShdw>
+                </a:effectLst>
+              </a:rPr>
               <a:t>SOS Android Mobile App</a:t>
             </a:r>
-            <a:endParaRPr lang="en-US" dirty="0"/>
-          </a:p>
-        </p:txBody>
-      </p:sp>
-      <p:sp>
-        <p:nvSpPr>
-          <p:cNvPr id="3" name="Subtitle 2"/>
-          <p:cNvSpPr>
-            <a:spLocks noGrp="1"/>
-          </p:cNvSpPr>
-          <p:nvPr>
-            <p:ph type="subTitle" idx="1"/>
-          </p:nvPr>
-        </p:nvSpPr>
-        <p:spPr/>
-        <p:txBody>
-          <a:bodyPr/>
-          <a:lstStyle/>
-          <a:p>
-            <a:endParaRPr lang="en-US" dirty="0"/>
+            <a:endParaRPr lang="en-US" sz="8000" b="1" cap="none" spc="0" dirty="0">
+              <a:ln w="25400">
+                <a:solidFill>
+                  <a:schemeClr val="tx1"/>
+                </a:solidFill>
+                <a:prstDash val="solid"/>
+              </a:ln>
+              <a:solidFill>
+                <a:srgbClr val="FF0000"/>
+              </a:solidFill>
+              <a:effectLst>
+                <a:outerShdw blurRad="60007" dist="310007" dir="7680000" sy="30000" kx="1300200" algn="ctr" rotWithShape="0">
+                  <a:prstClr val="black">
+                    <a:alpha val="32000"/>
+                  </a:prstClr>
+                </a:outerShdw>
+              </a:effectLst>
+            </a:endParaRPr>
           </a:p>
         </p:txBody>
       </p:sp>
@@ -3032,6 +3143,305 @@
 </file>
 
 <file path=ppt/slides/slide2.xml><?xml version="1.0" encoding="utf-8"?>
+<p:sld xmlns:a="http://schemas.openxmlformats.org/drawingml/2006/main" xmlns:r="http://schemas.openxmlformats.org/officeDocument/2006/relationships" xmlns:p="http://schemas.openxmlformats.org/presentationml/2006/main">
+  <p:cSld>
+    <p:spTree>
+      <p:nvGrpSpPr>
+        <p:cNvPr id="1" name=""/>
+        <p:cNvGrpSpPr/>
+        <p:nvPr/>
+      </p:nvGrpSpPr>
+      <p:grpSpPr>
+        <a:xfrm>
+          <a:off x="0" y="0"/>
+          <a:ext cx="0" cy="0"/>
+          <a:chOff x="0" y="0"/>
+          <a:chExt cx="0" cy="0"/>
+        </a:xfrm>
+      </p:grpSpPr>
+      <p:sp>
+        <p:nvSpPr>
+          <p:cNvPr id="2" name="Title 1"/>
+          <p:cNvSpPr>
+            <a:spLocks noGrp="1"/>
+          </p:cNvSpPr>
+          <p:nvPr>
+            <p:ph type="title"/>
+          </p:nvPr>
+        </p:nvSpPr>
+        <p:spPr/>
+        <p:txBody>
+          <a:bodyPr/>
+          <a:lstStyle/>
+          <a:p>
+            <a:r>
+              <a:rPr lang="en-US" dirty="0" smtClean="0"/>
+              <a:t>Implementation</a:t>
+            </a:r>
+            <a:endParaRPr lang="en-US" dirty="0"/>
+          </a:p>
+        </p:txBody>
+      </p:sp>
+      <p:sp>
+        <p:nvSpPr>
+          <p:cNvPr id="3" name="Content Placeholder 2"/>
+          <p:cNvSpPr>
+            <a:spLocks noGrp="1"/>
+          </p:cNvSpPr>
+          <p:nvPr>
+            <p:ph idx="1"/>
+          </p:nvPr>
+        </p:nvSpPr>
+        <p:spPr/>
+        <p:txBody>
+          <a:bodyPr/>
+          <a:lstStyle/>
+          <a:p>
+            <a:r>
+              <a:rPr lang="en-US" dirty="0" smtClean="0"/>
+              <a:t>Design process</a:t>
+            </a:r>
+          </a:p>
+          <a:p>
+            <a:r>
+              <a:rPr lang="en-US" dirty="0" smtClean="0"/>
+              <a:t>Software aspects (brief code overview)</a:t>
+            </a:r>
+          </a:p>
+          <a:p>
+            <a:r>
+              <a:rPr lang="en-US" dirty="0" smtClean="0"/>
+              <a:t>Database</a:t>
+            </a:r>
+          </a:p>
+          <a:p>
+            <a:r>
+              <a:rPr lang="en-US" dirty="0" smtClean="0"/>
+              <a:t>Challenges faced</a:t>
+            </a:r>
+          </a:p>
+          <a:p>
+            <a:pPr lvl="1"/>
+            <a:r>
+              <a:rPr lang="en-US" dirty="0" smtClean="0"/>
+              <a:t>No previous knowledge of Android programming</a:t>
+            </a:r>
+          </a:p>
+          <a:p>
+            <a:pPr lvl="1"/>
+            <a:r>
+              <a:rPr lang="en-US" dirty="0" smtClean="0"/>
+              <a:t>Implementing a database into the app.</a:t>
+            </a:r>
+          </a:p>
+          <a:p>
+            <a:pPr lvl="1"/>
+            <a:r>
+              <a:rPr lang="en-US" dirty="0" smtClean="0"/>
+              <a:t>Sending coordinates</a:t>
+            </a:r>
+          </a:p>
+        </p:txBody>
+      </p:sp>
+    </p:spTree>
+    <p:extLst>
+      <p:ext uri="{BB962C8B-B14F-4D97-AF65-F5344CB8AC3E}">
+        <p14:creationId xmlns:p14="http://schemas.microsoft.com/office/powerpoint/2010/main" val="3153884086"/>
+      </p:ext>
+    </p:extLst>
+  </p:cSld>
+  <p:clrMapOvr>
+    <a:masterClrMapping/>
+  </p:clrMapOvr>
+</p:sld>
+</file>
+
+<file path=ppt/slides/slide3.xml><?xml version="1.0" encoding="utf-8"?>
+<p:sld xmlns:a="http://schemas.openxmlformats.org/drawingml/2006/main" xmlns:r="http://schemas.openxmlformats.org/officeDocument/2006/relationships" xmlns:p="http://schemas.openxmlformats.org/presentationml/2006/main">
+  <p:cSld>
+    <p:spTree>
+      <p:nvGrpSpPr>
+        <p:cNvPr id="1" name=""/>
+        <p:cNvGrpSpPr/>
+        <p:nvPr/>
+      </p:nvGrpSpPr>
+      <p:grpSpPr>
+        <a:xfrm>
+          <a:off x="0" y="0"/>
+          <a:ext cx="0" cy="0"/>
+          <a:chOff x="0" y="0"/>
+          <a:chExt cx="0" cy="0"/>
+        </a:xfrm>
+      </p:grpSpPr>
+      <p:sp>
+        <p:nvSpPr>
+          <p:cNvPr id="2" name="Title 1"/>
+          <p:cNvSpPr>
+            <a:spLocks noGrp="1"/>
+          </p:cNvSpPr>
+          <p:nvPr>
+            <p:ph type="title"/>
+          </p:nvPr>
+        </p:nvSpPr>
+        <p:spPr/>
+        <p:txBody>
+          <a:bodyPr/>
+          <a:lstStyle/>
+          <a:p>
+            <a:r>
+              <a:rPr lang="en-US" dirty="0" smtClean="0"/>
+              <a:t>Examples and Uses</a:t>
+            </a:r>
+            <a:endParaRPr lang="en-US" dirty="0"/>
+          </a:p>
+        </p:txBody>
+      </p:sp>
+      <p:sp>
+        <p:nvSpPr>
+          <p:cNvPr id="3" name="Content Placeholder 2"/>
+          <p:cNvSpPr>
+            <a:spLocks noGrp="1"/>
+          </p:cNvSpPr>
+          <p:nvPr>
+            <p:ph idx="1"/>
+          </p:nvPr>
+        </p:nvSpPr>
+        <p:spPr/>
+        <p:txBody>
+          <a:bodyPr/>
+          <a:lstStyle/>
+          <a:p>
+            <a:r>
+              <a:rPr lang="en-US" dirty="0" smtClean="0"/>
+              <a:t>Easy to use emergency button</a:t>
+            </a:r>
+          </a:p>
+          <a:p>
+            <a:r>
+              <a:rPr lang="en-US" dirty="0" smtClean="0"/>
+              <a:t>Soundless incase you cannot call/talk</a:t>
+            </a:r>
+          </a:p>
+          <a:p>
+            <a:r>
+              <a:rPr lang="en-US" dirty="0" smtClean="0"/>
+              <a:t>Premade message if you don’t have time to type</a:t>
+            </a:r>
+          </a:p>
+          <a:p>
+            <a:r>
+              <a:rPr lang="en-US" dirty="0" smtClean="0"/>
+              <a:t>Includes location if lost or in unknown location</a:t>
+            </a:r>
+          </a:p>
+          <a:p>
+            <a:r>
+              <a:rPr lang="en-US" dirty="0" smtClean="0"/>
+              <a:t>Cancel within 5 seconds but only upon </a:t>
+            </a:r>
+            <a:r>
+              <a:rPr lang="en-US" dirty="0" err="1" smtClean="0"/>
+              <a:t>reclick</a:t>
+            </a:r>
+            <a:endParaRPr lang="en-US" dirty="0"/>
+          </a:p>
+        </p:txBody>
+      </p:sp>
+    </p:spTree>
+    <p:extLst>
+      <p:ext uri="{BB962C8B-B14F-4D97-AF65-F5344CB8AC3E}">
+        <p14:creationId xmlns:p14="http://schemas.microsoft.com/office/powerpoint/2010/main" val="2696072397"/>
+      </p:ext>
+    </p:extLst>
+  </p:cSld>
+  <p:clrMapOvr>
+    <a:masterClrMapping/>
+  </p:clrMapOvr>
+</p:sld>
+</file>
+
+<file path=ppt/slides/slide4.xml><?xml version="1.0" encoding="utf-8"?>
+<p:sld xmlns:a="http://schemas.openxmlformats.org/drawingml/2006/main" xmlns:r="http://schemas.openxmlformats.org/officeDocument/2006/relationships" xmlns:p="http://schemas.openxmlformats.org/presentationml/2006/main">
+  <p:cSld>
+    <p:spTree>
+      <p:nvGrpSpPr>
+        <p:cNvPr id="1" name=""/>
+        <p:cNvGrpSpPr/>
+        <p:nvPr/>
+      </p:nvGrpSpPr>
+      <p:grpSpPr>
+        <a:xfrm>
+          <a:off x="0" y="0"/>
+          <a:ext cx="0" cy="0"/>
+          <a:chOff x="0" y="0"/>
+          <a:chExt cx="0" cy="0"/>
+        </a:xfrm>
+      </p:grpSpPr>
+      <p:sp>
+        <p:nvSpPr>
+          <p:cNvPr id="2" name="Title 1"/>
+          <p:cNvSpPr>
+            <a:spLocks noGrp="1"/>
+          </p:cNvSpPr>
+          <p:nvPr>
+            <p:ph type="title"/>
+          </p:nvPr>
+        </p:nvSpPr>
+        <p:spPr/>
+        <p:txBody>
+          <a:bodyPr/>
+          <a:lstStyle/>
+          <a:p>
+            <a:r>
+              <a:rPr lang="en-US" dirty="0" smtClean="0"/>
+              <a:t>Storyboard</a:t>
+            </a:r>
+            <a:endParaRPr lang="en-US" dirty="0"/>
+          </a:p>
+        </p:txBody>
+      </p:sp>
+      <p:sp>
+        <p:nvSpPr>
+          <p:cNvPr id="3" name="Content Placeholder 2"/>
+          <p:cNvSpPr>
+            <a:spLocks noGrp="1"/>
+          </p:cNvSpPr>
+          <p:nvPr>
+            <p:ph idx="1"/>
+          </p:nvPr>
+        </p:nvSpPr>
+        <p:spPr/>
+        <p:txBody>
+          <a:bodyPr/>
+          <a:lstStyle/>
+          <a:p>
+            <a:r>
+              <a:rPr lang="en-US" dirty="0" smtClean="0"/>
+              <a:t>Simple and easy to follow layout</a:t>
+            </a:r>
+          </a:p>
+          <a:p>
+            <a:r>
+              <a:rPr lang="en-US" dirty="0" smtClean="0"/>
+              <a:t>Limited but impactful user options</a:t>
+            </a:r>
+          </a:p>
+        </p:txBody>
+      </p:sp>
+    </p:spTree>
+    <p:extLst>
+      <p:ext uri="{BB962C8B-B14F-4D97-AF65-F5344CB8AC3E}">
+        <p14:creationId xmlns:p14="http://schemas.microsoft.com/office/powerpoint/2010/main" val="2949158110"/>
+      </p:ext>
+    </p:extLst>
+  </p:cSld>
+  <p:clrMapOvr>
+    <a:masterClrMapping/>
+  </p:clrMapOvr>
+</p:sld>
+</file>
+
+<file path=ppt/slides/slide5.xml><?xml version="1.0" encoding="utf-8"?>
 <p:sld xmlns:a="http://schemas.openxmlformats.org/drawingml/2006/main" xmlns:r="http://schemas.openxmlformats.org/officeDocument/2006/relationships" xmlns:p="http://schemas.openxmlformats.org/presentationml/2006/main">
   <p:cSld>
     <p:spTree>
@@ -3216,15 +3626,7 @@
                     <a:schemeClr val="tx1"/>
                   </a:solidFill>
                 </a:rPr>
-                <a:t>SOS</a:t>
-              </a:r>
-              <a:r>
-                <a:rPr lang="en-US" dirty="0" smtClean="0">
-                  <a:solidFill>
-                    <a:schemeClr val="tx1"/>
-                  </a:solidFill>
-                </a:rPr>
-                <a:t>! I need help!</a:t>
+                <a:t>SOS! I need help!</a:t>
               </a:r>
             </a:p>
             <a:p>
@@ -3898,11 +4300,11 @@
                 <a:avLst/>
               </a:prstGeom>
               <a:solidFill>
-                <a:srgbClr val="FF0000"/>
+                <a:schemeClr val="accent2"/>
               </a:solidFill>
               <a:ln w="38100">
                 <a:solidFill>
-                  <a:srgbClr val="FF0000"/>
+                  <a:schemeClr val="accent2"/>
                 </a:solidFill>
               </a:ln>
             </p:spPr>
@@ -4201,7 +4603,7 @@
 </p:sld>
 </file>
 
-<file path=ppt/slides/slide3.xml><?xml version="1.0" encoding="utf-8"?>
+<file path=ppt/slides/slide6.xml><?xml version="1.0" encoding="utf-8"?>
 <p:sld xmlns:a="http://schemas.openxmlformats.org/drawingml/2006/main" xmlns:r="http://schemas.openxmlformats.org/officeDocument/2006/relationships" xmlns:p="http://schemas.openxmlformats.org/presentationml/2006/main">
   <p:cSld>
     <p:spTree>
